--- a/G13可行性分析报告ppt.pptx
+++ b/G13可行性分析报告ppt.pptx
@@ -5,7 +5,7 @@
     <p:sldMasterId id="2147483648" r:id="rId1"/>
   </p:sldMasterIdLst>
   <p:notesMasterIdLst>
-    <p:notesMasterId r:id="rId13"/>
+    <p:notesMasterId r:id="rId14"/>
   </p:notesMasterIdLst>
   <p:sldIdLst>
     <p:sldId id="256" r:id="rId2"/>
@@ -18,12 +18,13 @@
     <p:sldId id="273" r:id="rId9"/>
     <p:sldId id="261" r:id="rId10"/>
     <p:sldId id="277" r:id="rId11"/>
-    <p:sldId id="262" r:id="rId12"/>
+    <p:sldId id="278" r:id="rId12"/>
+    <p:sldId id="262" r:id="rId13"/>
   </p:sldIdLst>
   <p:sldSz cx="12192000" cy="6858000"/>
   <p:notesSz cx="7104063" cy="10234613"/>
   <p:custDataLst>
-    <p:tags r:id="rId14"/>
+    <p:tags r:id="rId15"/>
   </p:custDataLst>
   <p:defaultTextStyle>
     <a:defPPr>
@@ -210,7 +211,7 @@
           <a:p>
             <a:fld id="{9617C1BF-8031-4E9F-B1F0-E48939AD5206}" type="datetimeFigureOut">
               <a:rPr lang="zh-CN" altLang="en-US" smtClean="0"/>
-              <a:t>2022/10/23</a:t>
+              <a:t>2022/10/26</a:t>
             </a:fld>
             <a:endParaRPr lang="zh-CN" altLang="en-US"/>
           </a:p>
@@ -708,9 +709,153 @@
           <a:bodyPr/>
           <a:lstStyle/>
           <a:p>
+            <a:pPr marL="0" marR="0" lvl="0" indent="0" algn="r" defTabSz="914400" rtl="0" eaLnBrk="1" fontAlgn="auto" latinLnBrk="0" hangingPunct="1">
+              <a:lnSpc>
+                <a:spcPct val="100000"/>
+              </a:lnSpc>
+              <a:spcBef>
+                <a:spcPts val="0"/>
+              </a:spcBef>
+              <a:spcAft>
+                <a:spcPts val="0"/>
+              </a:spcAft>
+              <a:buClrTx/>
+              <a:buSzTx/>
+              <a:buFontTx/>
+              <a:buNone/>
+              <a:tabLst/>
+              <a:defRPr/>
+            </a:pPr>
+            <a:fld id="{CDA2E49B-E9B3-4BC0-85E1-7FAF0039202A}" type="slidenum">
+              <a:rPr kumimoji="0" lang="zh-CN" altLang="en-US" sz="1200" b="0" i="0" u="none" strike="noStrike" kern="1200" cap="none" spc="0" normalizeH="0" baseline="0" noProof="0" smtClean="0">
+                <a:ln>
+                  <a:noFill/>
+                </a:ln>
+                <a:solidFill>
+                  <a:prstClr val="black"/>
+                </a:solidFill>
+                <a:effectLst/>
+                <a:uLnTx/>
+                <a:uFillTx/>
+                <a:latin typeface="等线"/>
+                <a:ea typeface="等线" panose="02010600030101010101" pitchFamily="2" charset="-122"/>
+                <a:cs typeface="+mn-cs"/>
+              </a:rPr>
+              <a:pPr marL="0" marR="0" lvl="0" indent="0" algn="r" defTabSz="914400" rtl="0" eaLnBrk="1" fontAlgn="auto" latinLnBrk="0" hangingPunct="1">
+                <a:lnSpc>
+                  <a:spcPct val="100000"/>
+                </a:lnSpc>
+                <a:spcBef>
+                  <a:spcPts val="0"/>
+                </a:spcBef>
+                <a:spcAft>
+                  <a:spcPts val="0"/>
+                </a:spcAft>
+                <a:buClrTx/>
+                <a:buSzTx/>
+                <a:buFontTx/>
+                <a:buNone/>
+                <a:tabLst/>
+                <a:defRPr/>
+              </a:pPr>
+              <a:t>11</a:t>
+            </a:fld>
+            <a:endParaRPr kumimoji="0" lang="zh-CN" altLang="en-US" sz="1200" b="0" i="0" u="none" strike="noStrike" kern="1200" cap="none" spc="0" normalizeH="0" baseline="0" noProof="0">
+              <a:ln>
+                <a:noFill/>
+              </a:ln>
+              <a:solidFill>
+                <a:prstClr val="black"/>
+              </a:solidFill>
+              <a:effectLst/>
+              <a:uLnTx/>
+              <a:uFillTx/>
+              <a:latin typeface="等线"/>
+              <a:ea typeface="等线" panose="02010600030101010101" pitchFamily="2" charset="-122"/>
+              <a:cs typeface="+mn-cs"/>
+            </a:endParaRPr>
+          </a:p>
+        </p:txBody>
+      </p:sp>
+    </p:spTree>
+    <p:extLst>
+      <p:ext uri="{BB962C8B-B14F-4D97-AF65-F5344CB8AC3E}">
+        <p14:creationId xmlns:p14="http://schemas.microsoft.com/office/powerpoint/2010/main" val="3064058598"/>
+      </p:ext>
+    </p:extLst>
+  </p:cSld>
+  <p:clrMapOvr>
+    <a:masterClrMapping/>
+  </p:clrMapOvr>
+</p:notes>
+</file>
+
+<file path=ppt/notesSlides/notesSlide12.xml><?xml version="1.0" encoding="utf-8"?>
+<p:notes xmlns:a="http://schemas.openxmlformats.org/drawingml/2006/main" xmlns:r="http://schemas.openxmlformats.org/officeDocument/2006/relationships" xmlns:p="http://schemas.openxmlformats.org/presentationml/2006/main">
+  <p:cSld>
+    <p:spTree>
+      <p:nvGrpSpPr>
+        <p:cNvPr id="1" name=""/>
+        <p:cNvGrpSpPr/>
+        <p:nvPr/>
+      </p:nvGrpSpPr>
+      <p:grpSpPr>
+        <a:xfrm>
+          <a:off x="0" y="0"/>
+          <a:ext cx="0" cy="0"/>
+          <a:chOff x="0" y="0"/>
+          <a:chExt cx="0" cy="0"/>
+        </a:xfrm>
+      </p:grpSpPr>
+      <p:sp>
+        <p:nvSpPr>
+          <p:cNvPr id="2" name="幻灯片图像占位符 1"/>
+          <p:cNvSpPr>
+            <a:spLocks noGrp="1" noRot="1" noChangeAspect="1"/>
+          </p:cNvSpPr>
+          <p:nvPr>
+            <p:ph type="sldImg"/>
+          </p:nvPr>
+        </p:nvSpPr>
+        <p:spPr/>
+      </p:sp>
+      <p:sp>
+        <p:nvSpPr>
+          <p:cNvPr id="3" name="备注占位符 2"/>
+          <p:cNvSpPr>
+            <a:spLocks noGrp="1"/>
+          </p:cNvSpPr>
+          <p:nvPr>
+            <p:ph type="body" idx="1"/>
+          </p:nvPr>
+        </p:nvSpPr>
+        <p:spPr/>
+        <p:txBody>
+          <a:bodyPr/>
+          <a:lstStyle/>
+          <a:p>
+            <a:endParaRPr lang="zh-CN" altLang="en-US"/>
+          </a:p>
+        </p:txBody>
+      </p:sp>
+      <p:sp>
+        <p:nvSpPr>
+          <p:cNvPr id="4" name="灯片编号占位符 3"/>
+          <p:cNvSpPr>
+            <a:spLocks noGrp="1"/>
+          </p:cNvSpPr>
+          <p:nvPr>
+            <p:ph type="sldNum" sz="quarter" idx="10"/>
+          </p:nvPr>
+        </p:nvSpPr>
+        <p:spPr/>
+        <p:txBody>
+          <a:bodyPr/>
+          <a:lstStyle/>
+          <a:p>
             <a:fld id="{CDA2E49B-E9B3-4BC0-85E1-7FAF0039202A}" type="slidenum">
               <a:rPr lang="zh-CN" altLang="en-US" smtClean="0"/>
-              <a:t>11</a:t>
+              <a:t>12</a:t>
             </a:fld>
             <a:endParaRPr lang="zh-CN" altLang="en-US"/>
           </a:p>
@@ -5091,6 +5236,1874 @@
           <a:chExt cx="0" cy="0"/>
         </a:xfrm>
       </p:grpSpPr>
+      <p:sp>
+        <p:nvSpPr>
+          <p:cNvPr id="3" name="矩形 2"/>
+          <p:cNvSpPr/>
+          <p:nvPr/>
+        </p:nvSpPr>
+        <p:spPr>
+          <a:xfrm>
+            <a:off x="344170" y="334010"/>
+            <a:ext cx="11502390" cy="6187440"/>
+          </a:xfrm>
+          <a:prstGeom prst="rect">
+            <a:avLst/>
+          </a:prstGeom>
+          <a:noFill/>
+          <a:ln w="19050">
+            <a:solidFill>
+              <a:srgbClr val="6B9D43"/>
+            </a:solidFill>
+          </a:ln>
+        </p:spPr>
+        <p:style>
+          <a:lnRef idx="2">
+            <a:schemeClr val="accent1">
+              <a:shade val="50000"/>
+            </a:schemeClr>
+          </a:lnRef>
+          <a:fillRef idx="1">
+            <a:schemeClr val="accent1"/>
+          </a:fillRef>
+          <a:effectRef idx="0">
+            <a:schemeClr val="accent1"/>
+          </a:effectRef>
+          <a:fontRef idx="minor">
+            <a:schemeClr val="lt1"/>
+          </a:fontRef>
+        </p:style>
+        <p:txBody>
+          <a:bodyPr rtlCol="0" anchor="ctr"/>
+          <a:lstStyle/>
+          <a:p>
+            <a:pPr marL="0" marR="0" lvl="0" indent="0" algn="ctr" defTabSz="914400" rtl="0" eaLnBrk="1" fontAlgn="auto" latinLnBrk="0" hangingPunct="1">
+              <a:lnSpc>
+                <a:spcPct val="100000"/>
+              </a:lnSpc>
+              <a:spcBef>
+                <a:spcPts val="0"/>
+              </a:spcBef>
+              <a:spcAft>
+                <a:spcPts val="0"/>
+              </a:spcAft>
+              <a:buClrTx/>
+              <a:buSzTx/>
+              <a:buFontTx/>
+              <a:buNone/>
+              <a:tabLst/>
+              <a:defRPr/>
+            </a:pPr>
+            <a:endParaRPr kumimoji="0" lang="zh-CN" altLang="en-US" sz="1800" b="0" i="0" u="none" strike="noStrike" kern="1200" cap="none" spc="0" normalizeH="0" baseline="0" noProof="0">
+              <a:ln>
+                <a:noFill/>
+              </a:ln>
+              <a:solidFill>
+                <a:prstClr val="white"/>
+              </a:solidFill>
+              <a:effectLst/>
+              <a:uLnTx/>
+              <a:uFillTx/>
+              <a:latin typeface="Calibri"/>
+              <a:ea typeface="宋体" panose="02010600030101010101" pitchFamily="2" charset="-122"/>
+              <a:cs typeface="+mn-cs"/>
+            </a:endParaRPr>
+          </a:p>
+        </p:txBody>
+      </p:sp>
+      <p:grpSp>
+        <p:nvGrpSpPr>
+          <p:cNvPr id="20" name="组合 19"/>
+          <p:cNvGrpSpPr/>
+          <p:nvPr/>
+        </p:nvGrpSpPr>
+        <p:grpSpPr>
+          <a:xfrm>
+            <a:off x="10828655" y="276225"/>
+            <a:ext cx="1077595" cy="1021080"/>
+            <a:chOff x="17053" y="435"/>
+            <a:chExt cx="1697" cy="1608"/>
+          </a:xfrm>
+        </p:grpSpPr>
+        <p:sp>
+          <p:nvSpPr>
+            <p:cNvPr id="16" name="矩形 15"/>
+            <p:cNvSpPr/>
+            <p:nvPr/>
+          </p:nvSpPr>
+          <p:spPr>
+            <a:xfrm>
+              <a:off x="17053" y="435"/>
+              <a:ext cx="1609" cy="180"/>
+            </a:xfrm>
+            <a:prstGeom prst="rect">
+              <a:avLst/>
+            </a:prstGeom>
+            <a:solidFill>
+              <a:srgbClr val="6B9D43"/>
+            </a:solidFill>
+            <a:ln>
+              <a:noFill/>
+            </a:ln>
+          </p:spPr>
+          <p:style>
+            <a:lnRef idx="2">
+              <a:schemeClr val="accent1">
+                <a:shade val="50000"/>
+              </a:schemeClr>
+            </a:lnRef>
+            <a:fillRef idx="1">
+              <a:schemeClr val="accent1"/>
+            </a:fillRef>
+            <a:effectRef idx="0">
+              <a:schemeClr val="accent1"/>
+            </a:effectRef>
+            <a:fontRef idx="minor">
+              <a:schemeClr val="lt1"/>
+            </a:fontRef>
+          </p:style>
+          <p:txBody>
+            <a:bodyPr rtlCol="0" anchor="ctr"/>
+            <a:lstStyle/>
+            <a:p>
+              <a:pPr marL="0" marR="0" lvl="0" indent="0" algn="ctr" defTabSz="914400" rtl="0" eaLnBrk="1" fontAlgn="auto" latinLnBrk="0" hangingPunct="1">
+                <a:lnSpc>
+                  <a:spcPct val="100000"/>
+                </a:lnSpc>
+                <a:spcBef>
+                  <a:spcPts val="0"/>
+                </a:spcBef>
+                <a:spcAft>
+                  <a:spcPts val="0"/>
+                </a:spcAft>
+                <a:buClrTx/>
+                <a:buSzTx/>
+                <a:buFontTx/>
+                <a:buNone/>
+                <a:tabLst/>
+                <a:defRPr/>
+              </a:pPr>
+              <a:endParaRPr kumimoji="0" lang="zh-CN" altLang="en-US" sz="1800" b="0" i="0" u="none" strike="noStrike" kern="1200" cap="none" spc="0" normalizeH="0" baseline="0" noProof="0">
+                <a:ln>
+                  <a:noFill/>
+                </a:ln>
+                <a:solidFill>
+                  <a:prstClr val="white"/>
+                </a:solidFill>
+                <a:effectLst/>
+                <a:uLnTx/>
+                <a:uFillTx/>
+                <a:latin typeface="Calibri"/>
+                <a:ea typeface="宋体" panose="02010600030101010101" pitchFamily="2" charset="-122"/>
+                <a:cs typeface="+mn-cs"/>
+              </a:endParaRPr>
+            </a:p>
+          </p:txBody>
+        </p:sp>
+        <p:sp>
+          <p:nvSpPr>
+            <p:cNvPr id="19" name="矩形 18"/>
+            <p:cNvSpPr/>
+            <p:nvPr/>
+          </p:nvSpPr>
+          <p:spPr>
+            <a:xfrm rot="5400000">
+              <a:off x="17856" y="1149"/>
+              <a:ext cx="1609" cy="180"/>
+            </a:xfrm>
+            <a:prstGeom prst="rect">
+              <a:avLst/>
+            </a:prstGeom>
+            <a:solidFill>
+              <a:srgbClr val="6B9D43"/>
+            </a:solidFill>
+            <a:ln>
+              <a:noFill/>
+            </a:ln>
+          </p:spPr>
+          <p:style>
+            <a:lnRef idx="2">
+              <a:schemeClr val="accent1">
+                <a:shade val="50000"/>
+              </a:schemeClr>
+            </a:lnRef>
+            <a:fillRef idx="1">
+              <a:schemeClr val="accent1"/>
+            </a:fillRef>
+            <a:effectRef idx="0">
+              <a:schemeClr val="accent1"/>
+            </a:effectRef>
+            <a:fontRef idx="minor">
+              <a:schemeClr val="lt1"/>
+            </a:fontRef>
+          </p:style>
+          <p:txBody>
+            <a:bodyPr rtlCol="0" anchor="ctr"/>
+            <a:lstStyle/>
+            <a:p>
+              <a:pPr marL="0" marR="0" lvl="0" indent="0" algn="ctr" defTabSz="914400" rtl="0" eaLnBrk="1" fontAlgn="auto" latinLnBrk="0" hangingPunct="1">
+                <a:lnSpc>
+                  <a:spcPct val="100000"/>
+                </a:lnSpc>
+                <a:spcBef>
+                  <a:spcPts val="0"/>
+                </a:spcBef>
+                <a:spcAft>
+                  <a:spcPts val="0"/>
+                </a:spcAft>
+                <a:buClrTx/>
+                <a:buSzTx/>
+                <a:buFontTx/>
+                <a:buNone/>
+                <a:tabLst/>
+                <a:defRPr/>
+              </a:pPr>
+              <a:endParaRPr kumimoji="0" lang="zh-CN" altLang="en-US" sz="1800" b="0" i="0" u="none" strike="noStrike" kern="1200" cap="none" spc="0" normalizeH="0" baseline="0" noProof="0">
+                <a:ln>
+                  <a:noFill/>
+                </a:ln>
+                <a:solidFill>
+                  <a:prstClr val="white"/>
+                </a:solidFill>
+                <a:effectLst/>
+                <a:uLnTx/>
+                <a:uFillTx/>
+                <a:latin typeface="Calibri"/>
+                <a:ea typeface="宋体" panose="02010600030101010101" pitchFamily="2" charset="-122"/>
+                <a:cs typeface="+mn-cs"/>
+              </a:endParaRPr>
+            </a:p>
+          </p:txBody>
+        </p:sp>
+      </p:grpSp>
+      <p:grpSp>
+        <p:nvGrpSpPr>
+          <p:cNvPr id="24" name="组合 23"/>
+          <p:cNvGrpSpPr/>
+          <p:nvPr/>
+        </p:nvGrpSpPr>
+        <p:grpSpPr>
+          <a:xfrm flipH="1" flipV="1">
+            <a:off x="284480" y="5562600"/>
+            <a:ext cx="1077595" cy="1021080"/>
+            <a:chOff x="17053" y="435"/>
+            <a:chExt cx="1697" cy="1608"/>
+          </a:xfrm>
+        </p:grpSpPr>
+        <p:sp>
+          <p:nvSpPr>
+            <p:cNvPr id="25" name="矩形 24"/>
+            <p:cNvSpPr/>
+            <p:nvPr/>
+          </p:nvSpPr>
+          <p:spPr>
+            <a:xfrm>
+              <a:off x="17053" y="435"/>
+              <a:ext cx="1609" cy="180"/>
+            </a:xfrm>
+            <a:prstGeom prst="rect">
+              <a:avLst/>
+            </a:prstGeom>
+            <a:solidFill>
+              <a:srgbClr val="6B9D43"/>
+            </a:solidFill>
+            <a:ln>
+              <a:noFill/>
+            </a:ln>
+          </p:spPr>
+          <p:style>
+            <a:lnRef idx="2">
+              <a:schemeClr val="accent1">
+                <a:shade val="50000"/>
+              </a:schemeClr>
+            </a:lnRef>
+            <a:fillRef idx="1">
+              <a:schemeClr val="accent1"/>
+            </a:fillRef>
+            <a:effectRef idx="0">
+              <a:schemeClr val="accent1"/>
+            </a:effectRef>
+            <a:fontRef idx="minor">
+              <a:schemeClr val="lt1"/>
+            </a:fontRef>
+          </p:style>
+          <p:txBody>
+            <a:bodyPr rtlCol="0" anchor="ctr"/>
+            <a:lstStyle/>
+            <a:p>
+              <a:pPr marL="0" marR="0" lvl="0" indent="0" algn="ctr" defTabSz="914400" rtl="0" eaLnBrk="1" fontAlgn="auto" latinLnBrk="0" hangingPunct="1">
+                <a:lnSpc>
+                  <a:spcPct val="100000"/>
+                </a:lnSpc>
+                <a:spcBef>
+                  <a:spcPts val="0"/>
+                </a:spcBef>
+                <a:spcAft>
+                  <a:spcPts val="0"/>
+                </a:spcAft>
+                <a:buClrTx/>
+                <a:buSzTx/>
+                <a:buFontTx/>
+                <a:buNone/>
+                <a:tabLst/>
+                <a:defRPr/>
+              </a:pPr>
+              <a:endParaRPr kumimoji="0" lang="zh-CN" altLang="en-US" sz="1800" b="0" i="0" u="none" strike="noStrike" kern="1200" cap="none" spc="0" normalizeH="0" baseline="0" noProof="0">
+                <a:ln>
+                  <a:noFill/>
+                </a:ln>
+                <a:solidFill>
+                  <a:prstClr val="white"/>
+                </a:solidFill>
+                <a:effectLst/>
+                <a:uLnTx/>
+                <a:uFillTx/>
+                <a:latin typeface="Calibri"/>
+                <a:ea typeface="宋体" panose="02010600030101010101" pitchFamily="2" charset="-122"/>
+                <a:cs typeface="+mn-cs"/>
+              </a:endParaRPr>
+            </a:p>
+          </p:txBody>
+        </p:sp>
+        <p:sp>
+          <p:nvSpPr>
+            <p:cNvPr id="26" name="矩形 25"/>
+            <p:cNvSpPr/>
+            <p:nvPr/>
+          </p:nvSpPr>
+          <p:spPr>
+            <a:xfrm rot="5400000">
+              <a:off x="17856" y="1149"/>
+              <a:ext cx="1609" cy="180"/>
+            </a:xfrm>
+            <a:prstGeom prst="rect">
+              <a:avLst/>
+            </a:prstGeom>
+            <a:solidFill>
+              <a:srgbClr val="6B9D43"/>
+            </a:solidFill>
+            <a:ln>
+              <a:noFill/>
+            </a:ln>
+          </p:spPr>
+          <p:style>
+            <a:lnRef idx="2">
+              <a:schemeClr val="accent1">
+                <a:shade val="50000"/>
+              </a:schemeClr>
+            </a:lnRef>
+            <a:fillRef idx="1">
+              <a:schemeClr val="accent1"/>
+            </a:fillRef>
+            <a:effectRef idx="0">
+              <a:schemeClr val="accent1"/>
+            </a:effectRef>
+            <a:fontRef idx="minor">
+              <a:schemeClr val="lt1"/>
+            </a:fontRef>
+          </p:style>
+          <p:txBody>
+            <a:bodyPr rtlCol="0" anchor="ctr"/>
+            <a:lstStyle/>
+            <a:p>
+              <a:pPr marL="0" marR="0" lvl="0" indent="0" algn="ctr" defTabSz="914400" rtl="0" eaLnBrk="1" fontAlgn="auto" latinLnBrk="0" hangingPunct="1">
+                <a:lnSpc>
+                  <a:spcPct val="100000"/>
+                </a:lnSpc>
+                <a:spcBef>
+                  <a:spcPts val="0"/>
+                </a:spcBef>
+                <a:spcAft>
+                  <a:spcPts val="0"/>
+                </a:spcAft>
+                <a:buClrTx/>
+                <a:buSzTx/>
+                <a:buFontTx/>
+                <a:buNone/>
+                <a:tabLst/>
+                <a:defRPr/>
+              </a:pPr>
+              <a:endParaRPr kumimoji="0" lang="zh-CN" altLang="en-US" sz="1800" b="0" i="0" u="none" strike="noStrike" kern="1200" cap="none" spc="0" normalizeH="0" baseline="0" noProof="0">
+                <a:ln>
+                  <a:noFill/>
+                </a:ln>
+                <a:solidFill>
+                  <a:prstClr val="white"/>
+                </a:solidFill>
+                <a:effectLst/>
+                <a:uLnTx/>
+                <a:uFillTx/>
+                <a:latin typeface="Calibri"/>
+                <a:ea typeface="宋体" panose="02010600030101010101" pitchFamily="2" charset="-122"/>
+                <a:cs typeface="+mn-cs"/>
+              </a:endParaRPr>
+            </a:p>
+          </p:txBody>
+        </p:sp>
+      </p:grpSp>
+      <p:grpSp>
+        <p:nvGrpSpPr>
+          <p:cNvPr id="4" name="组合 3"/>
+          <p:cNvGrpSpPr/>
+          <p:nvPr/>
+        </p:nvGrpSpPr>
+        <p:grpSpPr>
+          <a:xfrm flipH="1">
+            <a:off x="288290" y="276225"/>
+            <a:ext cx="1077595" cy="1021080"/>
+            <a:chOff x="17053" y="435"/>
+            <a:chExt cx="1697" cy="1608"/>
+          </a:xfrm>
+        </p:grpSpPr>
+        <p:sp>
+          <p:nvSpPr>
+            <p:cNvPr id="5" name="矩形 4"/>
+            <p:cNvSpPr/>
+            <p:nvPr/>
+          </p:nvSpPr>
+          <p:spPr>
+            <a:xfrm>
+              <a:off x="17053" y="435"/>
+              <a:ext cx="1609" cy="180"/>
+            </a:xfrm>
+            <a:prstGeom prst="rect">
+              <a:avLst/>
+            </a:prstGeom>
+            <a:solidFill>
+              <a:srgbClr val="6B9D43"/>
+            </a:solidFill>
+            <a:ln>
+              <a:noFill/>
+            </a:ln>
+          </p:spPr>
+          <p:style>
+            <a:lnRef idx="2">
+              <a:schemeClr val="accent1">
+                <a:shade val="50000"/>
+              </a:schemeClr>
+            </a:lnRef>
+            <a:fillRef idx="1">
+              <a:schemeClr val="accent1"/>
+            </a:fillRef>
+            <a:effectRef idx="0">
+              <a:schemeClr val="accent1"/>
+            </a:effectRef>
+            <a:fontRef idx="minor">
+              <a:schemeClr val="lt1"/>
+            </a:fontRef>
+          </p:style>
+          <p:txBody>
+            <a:bodyPr rtlCol="0" anchor="ctr"/>
+            <a:lstStyle/>
+            <a:p>
+              <a:pPr marL="0" marR="0" lvl="0" indent="0" algn="ctr" defTabSz="914400" rtl="0" eaLnBrk="1" fontAlgn="auto" latinLnBrk="0" hangingPunct="1">
+                <a:lnSpc>
+                  <a:spcPct val="100000"/>
+                </a:lnSpc>
+                <a:spcBef>
+                  <a:spcPts val="0"/>
+                </a:spcBef>
+                <a:spcAft>
+                  <a:spcPts val="0"/>
+                </a:spcAft>
+                <a:buClrTx/>
+                <a:buSzTx/>
+                <a:buFontTx/>
+                <a:buNone/>
+                <a:tabLst/>
+                <a:defRPr/>
+              </a:pPr>
+              <a:endParaRPr kumimoji="0" lang="zh-CN" altLang="en-US" sz="1800" b="0" i="0" u="none" strike="noStrike" kern="1200" cap="none" spc="0" normalizeH="0" baseline="0" noProof="0">
+                <a:ln>
+                  <a:noFill/>
+                </a:ln>
+                <a:solidFill>
+                  <a:prstClr val="white"/>
+                </a:solidFill>
+                <a:effectLst/>
+                <a:uLnTx/>
+                <a:uFillTx/>
+                <a:latin typeface="Calibri"/>
+                <a:ea typeface="宋体" panose="02010600030101010101" pitchFamily="2" charset="-122"/>
+                <a:cs typeface="+mn-cs"/>
+              </a:endParaRPr>
+            </a:p>
+          </p:txBody>
+        </p:sp>
+        <p:sp>
+          <p:nvSpPr>
+            <p:cNvPr id="6" name="矩形 5"/>
+            <p:cNvSpPr/>
+            <p:nvPr/>
+          </p:nvSpPr>
+          <p:spPr>
+            <a:xfrm rot="5400000">
+              <a:off x="17856" y="1149"/>
+              <a:ext cx="1609" cy="180"/>
+            </a:xfrm>
+            <a:prstGeom prst="rect">
+              <a:avLst/>
+            </a:prstGeom>
+            <a:solidFill>
+              <a:srgbClr val="6B9D43"/>
+            </a:solidFill>
+            <a:ln>
+              <a:noFill/>
+            </a:ln>
+          </p:spPr>
+          <p:style>
+            <a:lnRef idx="2">
+              <a:schemeClr val="accent1">
+                <a:shade val="50000"/>
+              </a:schemeClr>
+            </a:lnRef>
+            <a:fillRef idx="1">
+              <a:schemeClr val="accent1"/>
+            </a:fillRef>
+            <a:effectRef idx="0">
+              <a:schemeClr val="accent1"/>
+            </a:effectRef>
+            <a:fontRef idx="minor">
+              <a:schemeClr val="lt1"/>
+            </a:fontRef>
+          </p:style>
+          <p:txBody>
+            <a:bodyPr rtlCol="0" anchor="ctr"/>
+            <a:lstStyle/>
+            <a:p>
+              <a:pPr marL="0" marR="0" lvl="0" indent="0" algn="ctr" defTabSz="914400" rtl="0" eaLnBrk="1" fontAlgn="auto" latinLnBrk="0" hangingPunct="1">
+                <a:lnSpc>
+                  <a:spcPct val="100000"/>
+                </a:lnSpc>
+                <a:spcBef>
+                  <a:spcPts val="0"/>
+                </a:spcBef>
+                <a:spcAft>
+                  <a:spcPts val="0"/>
+                </a:spcAft>
+                <a:buClrTx/>
+                <a:buSzTx/>
+                <a:buFontTx/>
+                <a:buNone/>
+                <a:tabLst/>
+                <a:defRPr/>
+              </a:pPr>
+              <a:endParaRPr kumimoji="0" lang="zh-CN" altLang="en-US" sz="1800" b="0" i="0" u="none" strike="noStrike" kern="1200" cap="none" spc="0" normalizeH="0" baseline="0" noProof="0">
+                <a:ln>
+                  <a:noFill/>
+                </a:ln>
+                <a:solidFill>
+                  <a:prstClr val="white"/>
+                </a:solidFill>
+                <a:effectLst/>
+                <a:uLnTx/>
+                <a:uFillTx/>
+                <a:latin typeface="Calibri"/>
+                <a:ea typeface="宋体" panose="02010600030101010101" pitchFamily="2" charset="-122"/>
+                <a:cs typeface="+mn-cs"/>
+              </a:endParaRPr>
+            </a:p>
+          </p:txBody>
+        </p:sp>
+      </p:grpSp>
+      <p:grpSp>
+        <p:nvGrpSpPr>
+          <p:cNvPr id="9" name="组合 8"/>
+          <p:cNvGrpSpPr/>
+          <p:nvPr/>
+        </p:nvGrpSpPr>
+        <p:grpSpPr>
+          <a:xfrm flipV="1">
+            <a:off x="10824845" y="5562600"/>
+            <a:ext cx="1077595" cy="1021080"/>
+            <a:chOff x="17053" y="435"/>
+            <a:chExt cx="1697" cy="1608"/>
+          </a:xfrm>
+        </p:grpSpPr>
+        <p:sp>
+          <p:nvSpPr>
+            <p:cNvPr id="10" name="矩形 9"/>
+            <p:cNvSpPr/>
+            <p:nvPr/>
+          </p:nvSpPr>
+          <p:spPr>
+            <a:xfrm>
+              <a:off x="17053" y="435"/>
+              <a:ext cx="1609" cy="180"/>
+            </a:xfrm>
+            <a:prstGeom prst="rect">
+              <a:avLst/>
+            </a:prstGeom>
+            <a:solidFill>
+              <a:srgbClr val="6B9D43"/>
+            </a:solidFill>
+            <a:ln>
+              <a:noFill/>
+            </a:ln>
+          </p:spPr>
+          <p:style>
+            <a:lnRef idx="2">
+              <a:schemeClr val="accent1">
+                <a:shade val="50000"/>
+              </a:schemeClr>
+            </a:lnRef>
+            <a:fillRef idx="1">
+              <a:schemeClr val="accent1"/>
+            </a:fillRef>
+            <a:effectRef idx="0">
+              <a:schemeClr val="accent1"/>
+            </a:effectRef>
+            <a:fontRef idx="minor">
+              <a:schemeClr val="lt1"/>
+            </a:fontRef>
+          </p:style>
+          <p:txBody>
+            <a:bodyPr rtlCol="0" anchor="ctr"/>
+            <a:lstStyle/>
+            <a:p>
+              <a:pPr marL="0" marR="0" lvl="0" indent="0" algn="ctr" defTabSz="914400" rtl="0" eaLnBrk="1" fontAlgn="auto" latinLnBrk="0" hangingPunct="1">
+                <a:lnSpc>
+                  <a:spcPct val="100000"/>
+                </a:lnSpc>
+                <a:spcBef>
+                  <a:spcPts val="0"/>
+                </a:spcBef>
+                <a:spcAft>
+                  <a:spcPts val="0"/>
+                </a:spcAft>
+                <a:buClrTx/>
+                <a:buSzTx/>
+                <a:buFontTx/>
+                <a:buNone/>
+                <a:tabLst/>
+                <a:defRPr/>
+              </a:pPr>
+              <a:endParaRPr kumimoji="0" lang="zh-CN" altLang="en-US" sz="1800" b="0" i="0" u="none" strike="noStrike" kern="1200" cap="none" spc="0" normalizeH="0" baseline="0" noProof="0">
+                <a:ln>
+                  <a:noFill/>
+                </a:ln>
+                <a:solidFill>
+                  <a:prstClr val="white"/>
+                </a:solidFill>
+                <a:effectLst/>
+                <a:uLnTx/>
+                <a:uFillTx/>
+                <a:latin typeface="Calibri"/>
+                <a:ea typeface="宋体" panose="02010600030101010101" pitchFamily="2" charset="-122"/>
+                <a:cs typeface="+mn-cs"/>
+              </a:endParaRPr>
+            </a:p>
+          </p:txBody>
+        </p:sp>
+        <p:sp>
+          <p:nvSpPr>
+            <p:cNvPr id="11" name="矩形 10"/>
+            <p:cNvSpPr/>
+            <p:nvPr/>
+          </p:nvSpPr>
+          <p:spPr>
+            <a:xfrm rot="5400000">
+              <a:off x="17856" y="1149"/>
+              <a:ext cx="1609" cy="180"/>
+            </a:xfrm>
+            <a:prstGeom prst="rect">
+              <a:avLst/>
+            </a:prstGeom>
+            <a:solidFill>
+              <a:srgbClr val="6B9D43"/>
+            </a:solidFill>
+            <a:ln>
+              <a:noFill/>
+            </a:ln>
+          </p:spPr>
+          <p:style>
+            <a:lnRef idx="2">
+              <a:schemeClr val="accent1">
+                <a:shade val="50000"/>
+              </a:schemeClr>
+            </a:lnRef>
+            <a:fillRef idx="1">
+              <a:schemeClr val="accent1"/>
+            </a:fillRef>
+            <a:effectRef idx="0">
+              <a:schemeClr val="accent1"/>
+            </a:effectRef>
+            <a:fontRef idx="minor">
+              <a:schemeClr val="lt1"/>
+            </a:fontRef>
+          </p:style>
+          <p:txBody>
+            <a:bodyPr rtlCol="0" anchor="ctr"/>
+            <a:lstStyle/>
+            <a:p>
+              <a:pPr marL="0" marR="0" lvl="0" indent="0" algn="ctr" defTabSz="914400" rtl="0" eaLnBrk="1" fontAlgn="auto" latinLnBrk="0" hangingPunct="1">
+                <a:lnSpc>
+                  <a:spcPct val="100000"/>
+                </a:lnSpc>
+                <a:spcBef>
+                  <a:spcPts val="0"/>
+                </a:spcBef>
+                <a:spcAft>
+                  <a:spcPts val="0"/>
+                </a:spcAft>
+                <a:buClrTx/>
+                <a:buSzTx/>
+                <a:buFontTx/>
+                <a:buNone/>
+                <a:tabLst/>
+                <a:defRPr/>
+              </a:pPr>
+              <a:endParaRPr kumimoji="0" lang="zh-CN" altLang="en-US" sz="1800" b="0" i="0" u="none" strike="noStrike" kern="1200" cap="none" spc="0" normalizeH="0" baseline="0" noProof="0">
+                <a:ln>
+                  <a:noFill/>
+                </a:ln>
+                <a:solidFill>
+                  <a:prstClr val="white"/>
+                </a:solidFill>
+                <a:effectLst/>
+                <a:uLnTx/>
+                <a:uFillTx/>
+                <a:latin typeface="Calibri"/>
+                <a:ea typeface="宋体" panose="02010600030101010101" pitchFamily="2" charset="-122"/>
+                <a:cs typeface="+mn-cs"/>
+              </a:endParaRPr>
+            </a:p>
+          </p:txBody>
+        </p:sp>
+      </p:grpSp>
+      <p:grpSp>
+        <p:nvGrpSpPr>
+          <p:cNvPr id="35" name="组合 34"/>
+          <p:cNvGrpSpPr/>
+          <p:nvPr/>
+        </p:nvGrpSpPr>
+        <p:grpSpPr>
+          <a:xfrm>
+            <a:off x="4815840" y="334645"/>
+            <a:ext cx="2560320" cy="621030"/>
+            <a:chOff x="7584" y="527"/>
+            <a:chExt cx="4032" cy="978"/>
+          </a:xfrm>
+        </p:grpSpPr>
+        <p:sp>
+          <p:nvSpPr>
+            <p:cNvPr id="2" name="矩形 1"/>
+            <p:cNvSpPr/>
+            <p:nvPr/>
+          </p:nvSpPr>
+          <p:spPr>
+            <a:xfrm>
+              <a:off x="7584" y="913"/>
+              <a:ext cx="4032" cy="593"/>
+            </a:xfrm>
+            <a:prstGeom prst="rect">
+              <a:avLst/>
+            </a:prstGeom>
+            <a:noFill/>
+            <a:ln>
+              <a:solidFill>
+                <a:srgbClr val="205337"/>
+              </a:solidFill>
+            </a:ln>
+          </p:spPr>
+          <p:style>
+            <a:lnRef idx="2">
+              <a:schemeClr val="accent1">
+                <a:shade val="50000"/>
+              </a:schemeClr>
+            </a:lnRef>
+            <a:fillRef idx="1">
+              <a:schemeClr val="accent1"/>
+            </a:fillRef>
+            <a:effectRef idx="0">
+              <a:schemeClr val="accent1"/>
+            </a:effectRef>
+            <a:fontRef idx="minor">
+              <a:schemeClr val="lt1"/>
+            </a:fontRef>
+          </p:style>
+          <p:txBody>
+            <a:bodyPr rtlCol="0" anchor="ctr"/>
+            <a:lstStyle/>
+            <a:p>
+              <a:pPr marL="0" marR="0" lvl="0" indent="0" algn="ctr" defTabSz="914400" rtl="0" eaLnBrk="1" fontAlgn="auto" latinLnBrk="0" hangingPunct="1">
+                <a:lnSpc>
+                  <a:spcPct val="100000"/>
+                </a:lnSpc>
+                <a:spcBef>
+                  <a:spcPts val="0"/>
+                </a:spcBef>
+                <a:spcAft>
+                  <a:spcPts val="0"/>
+                </a:spcAft>
+                <a:buClrTx/>
+                <a:buSzTx/>
+                <a:buFontTx/>
+                <a:buNone/>
+                <a:tabLst/>
+                <a:defRPr/>
+              </a:pPr>
+              <a:r>
+                <a:rPr kumimoji="0" lang="zh-CN" altLang="en-US" sz="1800" b="1" i="0" u="none" strike="noStrike" kern="1200" cap="none" spc="0" normalizeH="0" baseline="0" noProof="0" dirty="0">
+                  <a:ln>
+                    <a:noFill/>
+                  </a:ln>
+                  <a:solidFill>
+                    <a:srgbClr val="205337"/>
+                  </a:solidFill>
+                  <a:effectLst/>
+                  <a:uLnTx/>
+                  <a:uFillTx/>
+                  <a:latin typeface="微软雅黑" panose="020B0503020204020204" charset="-122"/>
+                  <a:ea typeface="微软雅黑" panose="020B0503020204020204" charset="-122"/>
+                  <a:cs typeface="+mn-cs"/>
+                </a:rPr>
+                <a:t>组员评分</a:t>
+              </a:r>
+            </a:p>
+          </p:txBody>
+        </p:sp>
+        <p:cxnSp>
+          <p:nvCxnSpPr>
+            <p:cNvPr id="21" name="直接连接符 20"/>
+            <p:cNvCxnSpPr/>
+            <p:nvPr/>
+          </p:nvCxnSpPr>
+          <p:spPr>
+            <a:xfrm>
+              <a:off x="8436" y="527"/>
+              <a:ext cx="0" cy="395"/>
+            </a:xfrm>
+            <a:prstGeom prst="line">
+              <a:avLst/>
+            </a:prstGeom>
+            <a:ln w="12700">
+              <a:solidFill>
+                <a:srgbClr val="205337"/>
+              </a:solidFill>
+            </a:ln>
+          </p:spPr>
+          <p:style>
+            <a:lnRef idx="1">
+              <a:schemeClr val="accent1"/>
+            </a:lnRef>
+            <a:fillRef idx="0">
+              <a:schemeClr val="accent1"/>
+            </a:fillRef>
+            <a:effectRef idx="0">
+              <a:schemeClr val="accent1"/>
+            </a:effectRef>
+            <a:fontRef idx="minor">
+              <a:schemeClr val="tx1"/>
+            </a:fontRef>
+          </p:style>
+        </p:cxnSp>
+        <p:cxnSp>
+          <p:nvCxnSpPr>
+            <p:cNvPr id="34" name="直接连接符 33"/>
+            <p:cNvCxnSpPr/>
+            <p:nvPr/>
+          </p:nvCxnSpPr>
+          <p:spPr>
+            <a:xfrm>
+              <a:off x="10749" y="527"/>
+              <a:ext cx="0" cy="395"/>
+            </a:xfrm>
+            <a:prstGeom prst="line">
+              <a:avLst/>
+            </a:prstGeom>
+            <a:ln w="12700">
+              <a:solidFill>
+                <a:srgbClr val="205337"/>
+              </a:solidFill>
+            </a:ln>
+          </p:spPr>
+          <p:style>
+            <a:lnRef idx="1">
+              <a:schemeClr val="accent1"/>
+            </a:lnRef>
+            <a:fillRef idx="0">
+              <a:schemeClr val="accent1"/>
+            </a:fillRef>
+            <a:effectRef idx="0">
+              <a:schemeClr val="accent1"/>
+            </a:effectRef>
+            <a:fontRef idx="minor">
+              <a:schemeClr val="tx1"/>
+            </a:fontRef>
+          </p:style>
+        </p:cxnSp>
+      </p:grpSp>
+      <p:sp>
+        <p:nvSpPr>
+          <p:cNvPr id="32" name="Rectangle 31"/>
+          <p:cNvSpPr/>
+          <p:nvPr/>
+        </p:nvSpPr>
+        <p:spPr>
+          <a:xfrm>
+            <a:off x="1841500" y="1991402"/>
+            <a:ext cx="7734300" cy="364527"/>
+          </a:xfrm>
+          <a:prstGeom prst="rect">
+            <a:avLst/>
+          </a:prstGeom>
+        </p:spPr>
+        <p:txBody>
+          <a:bodyPr wrap="square" lIns="86683" tIns="43341" rIns="86683" bIns="43341">
+            <a:spAutoFit/>
+          </a:bodyPr>
+          <a:lstStyle/>
+          <a:p>
+            <a:pPr marL="0" marR="0" lvl="0" indent="0" algn="l" defTabSz="914400" rtl="0" eaLnBrk="1" fontAlgn="auto" latinLnBrk="0" hangingPunct="1">
+              <a:lnSpc>
+                <a:spcPct val="100000"/>
+              </a:lnSpc>
+              <a:spcBef>
+                <a:spcPts val="0"/>
+              </a:spcBef>
+              <a:spcAft>
+                <a:spcPts val="0"/>
+              </a:spcAft>
+              <a:buClrTx/>
+              <a:buSzTx/>
+              <a:buFontTx/>
+              <a:buNone/>
+              <a:tabLst/>
+              <a:defRPr/>
+            </a:pPr>
+            <a:r>
+              <a:rPr kumimoji="0" lang="zh-CN" altLang="en-US" sz="1800" b="1" i="0" u="none" strike="noStrike" kern="1200" cap="none" spc="0" normalizeH="0" baseline="0" noProof="0" dirty="0">
+                <a:ln>
+                  <a:noFill/>
+                </a:ln>
+                <a:solidFill>
+                  <a:prstClr val="black"/>
+                </a:solidFill>
+                <a:effectLst/>
+                <a:uLnTx/>
+                <a:uFillTx/>
+                <a:latin typeface="Calibri"/>
+                <a:ea typeface="宋体" panose="02010600030101010101" pitchFamily="2" charset="-122"/>
+                <a:cs typeface="+mn-cs"/>
+              </a:rPr>
+              <a:t>李卓楷     </a:t>
+            </a:r>
+            <a:r>
+              <a:rPr kumimoji="0" lang="en-US" altLang="zh-CN" sz="1800" b="1" i="0" u="none" strike="noStrike" kern="1200" cap="none" spc="0" normalizeH="0" baseline="0" noProof="0" dirty="0">
+                <a:ln>
+                  <a:noFill/>
+                </a:ln>
+                <a:solidFill>
+                  <a:prstClr val="black"/>
+                </a:solidFill>
+                <a:effectLst/>
+                <a:uLnTx/>
+                <a:uFillTx/>
+                <a:latin typeface="Calibri"/>
+                <a:ea typeface="宋体" panose="02010600030101010101" pitchFamily="2" charset="-122"/>
+                <a:cs typeface="+mn-cs"/>
+              </a:rPr>
+              <a:t>85</a:t>
+            </a:r>
+            <a:r>
+              <a:rPr kumimoji="0" lang="zh-CN" altLang="en-US" sz="1800" b="1" i="0" u="none" strike="noStrike" kern="1200" cap="none" spc="0" normalizeH="0" baseline="0" noProof="0" dirty="0">
+                <a:ln>
+                  <a:noFill/>
+                </a:ln>
+                <a:solidFill>
+                  <a:prstClr val="black"/>
+                </a:solidFill>
+                <a:effectLst/>
+                <a:uLnTx/>
+                <a:uFillTx/>
+                <a:latin typeface="Calibri"/>
+                <a:ea typeface="宋体" panose="02010600030101010101" pitchFamily="2" charset="-122"/>
+                <a:cs typeface="+mn-cs"/>
+              </a:rPr>
+              <a:t>分      负责可行性分析报告的编写</a:t>
+            </a:r>
+            <a:endParaRPr kumimoji="0" lang="zh-CN" altLang="zh-CN" sz="1800" b="0" i="0" u="none" strike="noStrike" kern="1200" cap="none" spc="0" normalizeH="0" baseline="0" noProof="0" dirty="0">
+              <a:ln>
+                <a:noFill/>
+              </a:ln>
+              <a:solidFill>
+                <a:prstClr val="black"/>
+              </a:solidFill>
+              <a:effectLst/>
+              <a:uLnTx/>
+              <a:uFillTx/>
+              <a:latin typeface="Calibri"/>
+              <a:ea typeface="宋体" panose="02010600030101010101" pitchFamily="2" charset="-122"/>
+              <a:cs typeface="+mn-cs"/>
+            </a:endParaRPr>
+          </a:p>
+        </p:txBody>
+      </p:sp>
+      <p:sp>
+        <p:nvSpPr>
+          <p:cNvPr id="12" name="Rectangle 31"/>
+          <p:cNvSpPr/>
+          <p:nvPr/>
+        </p:nvSpPr>
+        <p:spPr>
+          <a:xfrm>
+            <a:off x="1841500" y="2585804"/>
+            <a:ext cx="4175760" cy="364527"/>
+          </a:xfrm>
+          <a:prstGeom prst="rect">
+            <a:avLst/>
+          </a:prstGeom>
+        </p:spPr>
+        <p:txBody>
+          <a:bodyPr wrap="square" lIns="86683" tIns="43341" rIns="86683" bIns="43341">
+            <a:spAutoFit/>
+          </a:bodyPr>
+          <a:lstStyle/>
+          <a:p>
+            <a:pPr marL="0" marR="0" lvl="0" indent="0" algn="l" defTabSz="914400" rtl="0" eaLnBrk="1" fontAlgn="auto" latinLnBrk="0" hangingPunct="1">
+              <a:lnSpc>
+                <a:spcPct val="100000"/>
+              </a:lnSpc>
+              <a:spcBef>
+                <a:spcPts val="0"/>
+              </a:spcBef>
+              <a:spcAft>
+                <a:spcPts val="0"/>
+              </a:spcAft>
+              <a:buClrTx/>
+              <a:buSzTx/>
+              <a:buFontTx/>
+              <a:buNone/>
+              <a:tabLst/>
+              <a:defRPr/>
+            </a:pPr>
+            <a:r>
+              <a:rPr kumimoji="0" lang="zh-CN" altLang="en-US" sz="1800" b="1" i="0" u="none" strike="noStrike" kern="1200" cap="none" spc="0" normalizeH="0" baseline="0" noProof="0" dirty="0">
+                <a:ln>
+                  <a:noFill/>
+                </a:ln>
+                <a:solidFill>
+                  <a:prstClr val="black"/>
+                </a:solidFill>
+                <a:effectLst/>
+                <a:uLnTx/>
+                <a:uFillTx/>
+                <a:latin typeface="Calibri"/>
+                <a:ea typeface="宋体" panose="02010600030101010101" pitchFamily="2" charset="-122"/>
+                <a:cs typeface="+mn-cs"/>
+              </a:rPr>
+              <a:t>郑骥          </a:t>
+            </a:r>
+            <a:r>
+              <a:rPr kumimoji="0" lang="en-US" altLang="zh-CN" sz="1800" b="1" i="0" u="none" strike="noStrike" kern="1200" cap="none" spc="0" normalizeH="0" baseline="0" noProof="0" dirty="0">
+                <a:ln>
+                  <a:noFill/>
+                </a:ln>
+                <a:solidFill>
+                  <a:prstClr val="black"/>
+                </a:solidFill>
+                <a:effectLst/>
+                <a:uLnTx/>
+                <a:uFillTx/>
+                <a:latin typeface="Calibri"/>
+                <a:ea typeface="宋体" panose="02010600030101010101" pitchFamily="2" charset="-122"/>
+                <a:cs typeface="+mn-cs"/>
+              </a:rPr>
+              <a:t>80</a:t>
+            </a:r>
+            <a:r>
+              <a:rPr kumimoji="0" lang="zh-CN" altLang="en-US" sz="1800" b="1" i="0" u="none" strike="noStrike" kern="1200" cap="none" spc="0" normalizeH="0" baseline="0" noProof="0" dirty="0">
+                <a:ln>
+                  <a:noFill/>
+                </a:ln>
+                <a:solidFill>
+                  <a:prstClr val="black"/>
+                </a:solidFill>
+                <a:effectLst/>
+                <a:uLnTx/>
+                <a:uFillTx/>
+                <a:latin typeface="Calibri"/>
+                <a:ea typeface="宋体" panose="02010600030101010101" pitchFamily="2" charset="-122"/>
+                <a:cs typeface="+mn-cs"/>
+              </a:rPr>
+              <a:t>分       负责</a:t>
+            </a:r>
+            <a:r>
+              <a:rPr kumimoji="0" lang="en-US" altLang="zh-CN" sz="1800" b="1" i="0" u="none" strike="noStrike" kern="1200" cap="none" spc="0" normalizeH="0" baseline="0" noProof="0" dirty="0">
+                <a:ln>
+                  <a:noFill/>
+                </a:ln>
+                <a:solidFill>
+                  <a:prstClr val="black"/>
+                </a:solidFill>
+                <a:effectLst/>
+                <a:uLnTx/>
+                <a:uFillTx/>
+                <a:latin typeface="Calibri"/>
+                <a:ea typeface="宋体" panose="02010600030101010101" pitchFamily="2" charset="-122"/>
+                <a:cs typeface="+mn-cs"/>
+              </a:rPr>
+              <a:t>ppt</a:t>
+            </a:r>
+            <a:r>
+              <a:rPr kumimoji="0" lang="zh-CN" altLang="en-US" sz="1800" b="1" i="0" u="none" strike="noStrike" kern="1200" cap="none" spc="0" normalizeH="0" baseline="0" noProof="0" dirty="0">
+                <a:ln>
+                  <a:noFill/>
+                </a:ln>
+                <a:solidFill>
+                  <a:prstClr val="black"/>
+                </a:solidFill>
+                <a:effectLst/>
+                <a:uLnTx/>
+                <a:uFillTx/>
+                <a:latin typeface="Calibri"/>
+                <a:ea typeface="宋体" panose="02010600030101010101" pitchFamily="2" charset="-122"/>
+                <a:cs typeface="+mn-cs"/>
+              </a:rPr>
+              <a:t>制作    </a:t>
+            </a:r>
+            <a:endParaRPr kumimoji="0" lang="zh-CN" altLang="zh-CN" sz="1800" b="0" i="0" u="none" strike="noStrike" kern="1200" cap="none" spc="0" normalizeH="0" baseline="0" noProof="0" dirty="0">
+              <a:ln>
+                <a:noFill/>
+              </a:ln>
+              <a:solidFill>
+                <a:prstClr val="black"/>
+              </a:solidFill>
+              <a:effectLst/>
+              <a:uLnTx/>
+              <a:uFillTx/>
+              <a:latin typeface="Calibri"/>
+              <a:ea typeface="宋体" panose="02010600030101010101" pitchFamily="2" charset="-122"/>
+              <a:cs typeface="+mn-cs"/>
+            </a:endParaRPr>
+          </a:p>
+        </p:txBody>
+      </p:sp>
+      <p:sp>
+        <p:nvSpPr>
+          <p:cNvPr id="23" name="Rectangle 31">
+            <a:extLst>
+              <a:ext uri="{FF2B5EF4-FFF2-40B4-BE49-F238E27FC236}">
+                <a16:creationId xmlns:a16="http://schemas.microsoft.com/office/drawing/2014/main" id="{5C8E8782-EE20-4F5C-9348-B1524C2F2595}"/>
+              </a:ext>
+            </a:extLst>
+          </p:cNvPr>
+          <p:cNvSpPr/>
+          <p:nvPr/>
+        </p:nvSpPr>
+        <p:spPr>
+          <a:xfrm>
+            <a:off x="1841500" y="3180206"/>
+            <a:ext cx="4175760" cy="364527"/>
+          </a:xfrm>
+          <a:prstGeom prst="rect">
+            <a:avLst/>
+          </a:prstGeom>
+        </p:spPr>
+        <p:txBody>
+          <a:bodyPr wrap="square" lIns="86683" tIns="43341" rIns="86683" bIns="43341">
+            <a:spAutoFit/>
+          </a:bodyPr>
+          <a:lstStyle/>
+          <a:p>
+            <a:pPr marL="0" marR="0" lvl="0" indent="0" algn="l" defTabSz="914400" rtl="0" eaLnBrk="1" fontAlgn="auto" latinLnBrk="0" hangingPunct="1">
+              <a:lnSpc>
+                <a:spcPct val="100000"/>
+              </a:lnSpc>
+              <a:spcBef>
+                <a:spcPts val="0"/>
+              </a:spcBef>
+              <a:spcAft>
+                <a:spcPts val="0"/>
+              </a:spcAft>
+              <a:buClrTx/>
+              <a:buSzTx/>
+              <a:buFontTx/>
+              <a:buNone/>
+              <a:tabLst/>
+              <a:defRPr/>
+            </a:pPr>
+            <a:r>
+              <a:rPr kumimoji="0" lang="zh-CN" altLang="en-US" sz="1800" b="1" i="0" u="none" strike="noStrike" kern="1200" cap="none" spc="0" normalizeH="0" baseline="0" noProof="0" dirty="0">
+                <a:ln>
+                  <a:noFill/>
+                </a:ln>
+                <a:solidFill>
+                  <a:prstClr val="black"/>
+                </a:solidFill>
+                <a:effectLst/>
+                <a:uLnTx/>
+                <a:uFillTx/>
+                <a:latin typeface="Calibri"/>
+                <a:ea typeface="宋体" panose="02010600030101010101" pitchFamily="2" charset="-122"/>
+                <a:cs typeface="+mn-cs"/>
+              </a:rPr>
+              <a:t>彭志恒      </a:t>
+            </a:r>
+            <a:r>
+              <a:rPr kumimoji="0" lang="en-US" altLang="zh-CN" sz="1800" b="1" i="0" u="none" strike="noStrike" kern="1200" cap="none" spc="0" normalizeH="0" baseline="0" noProof="0" dirty="0">
+                <a:ln>
+                  <a:noFill/>
+                </a:ln>
+                <a:solidFill>
+                  <a:prstClr val="black"/>
+                </a:solidFill>
+                <a:effectLst/>
+                <a:uLnTx/>
+                <a:uFillTx/>
+                <a:latin typeface="Calibri"/>
+                <a:ea typeface="宋体" panose="02010600030101010101" pitchFamily="2" charset="-122"/>
+                <a:cs typeface="+mn-cs"/>
+              </a:rPr>
+              <a:t>82</a:t>
+            </a:r>
+            <a:r>
+              <a:rPr kumimoji="0" lang="zh-CN" altLang="en-US" sz="1800" b="1" i="0" u="none" strike="noStrike" kern="1200" cap="none" spc="0" normalizeH="0" baseline="0" noProof="0" dirty="0">
+                <a:ln>
+                  <a:noFill/>
+                </a:ln>
+                <a:solidFill>
+                  <a:prstClr val="black"/>
+                </a:solidFill>
+                <a:effectLst/>
+                <a:uLnTx/>
+                <a:uFillTx/>
+                <a:latin typeface="Calibri"/>
+                <a:ea typeface="宋体" panose="02010600030101010101" pitchFamily="2" charset="-122"/>
+                <a:cs typeface="+mn-cs"/>
+              </a:rPr>
+              <a:t>分       负责编写会议记录    </a:t>
+            </a:r>
+            <a:endParaRPr kumimoji="0" lang="zh-CN" altLang="zh-CN" sz="1800" b="0" i="0" u="none" strike="noStrike" kern="1200" cap="none" spc="0" normalizeH="0" baseline="0" noProof="0" dirty="0">
+              <a:ln>
+                <a:noFill/>
+              </a:ln>
+              <a:solidFill>
+                <a:prstClr val="black"/>
+              </a:solidFill>
+              <a:effectLst/>
+              <a:uLnTx/>
+              <a:uFillTx/>
+              <a:latin typeface="Calibri"/>
+              <a:ea typeface="宋体" panose="02010600030101010101" pitchFamily="2" charset="-122"/>
+              <a:cs typeface="+mn-cs"/>
+            </a:endParaRPr>
+          </a:p>
+        </p:txBody>
+      </p:sp>
+    </p:spTree>
+  </p:cSld>
+  <p:clrMapOvr>
+    <a:masterClrMapping/>
+  </p:clrMapOvr>
+  <mc:AlternateContent xmlns:mc="http://schemas.openxmlformats.org/markup-compatibility/2006" xmlns:p14="http://schemas.microsoft.com/office/powerpoint/2010/main">
+    <mc:Choice Requires="p14">
+      <p:transition spd="slow" p14:dur="1300">
+        <p14:pan dir="u"/>
+      </p:transition>
+    </mc:Choice>
+    <mc:Fallback xmlns="">
+      <p:transition spd="slow">
+        <p:fade/>
+      </p:transition>
+    </mc:Fallback>
+  </mc:AlternateContent>
+  <p:timing>
+    <p:tnLst>
+      <p:par>
+        <p:cTn id="1" dur="indefinite" restart="never" nodeType="tmRoot">
+          <p:childTnLst>
+            <p:seq concurrent="1" nextAc="seek">
+              <p:cTn id="2" dur="indefinite" nodeType="mainSeq">
+                <p:childTnLst>
+                  <p:par>
+                    <p:cTn id="3" fill="hold">
+                      <p:stCondLst>
+                        <p:cond delay="indefinite"/>
+                        <p:cond evt="onBegin" delay="0">
+                          <p:tn val="2"/>
+                        </p:cond>
+                      </p:stCondLst>
+                      <p:childTnLst>
+                        <p:par>
+                          <p:cTn id="4" fill="hold">
+                            <p:stCondLst>
+                              <p:cond delay="0"/>
+                            </p:stCondLst>
+                            <p:childTnLst>
+                              <p:par>
+                                <p:cTn id="5" presetID="20" presetClass="entr" presetSubtype="0" fill="hold" grpId="1" nodeType="afterEffect">
+                                  <p:stCondLst>
+                                    <p:cond delay="0"/>
+                                  </p:stCondLst>
+                                  <p:childTnLst>
+                                    <p:set>
+                                      <p:cBhvr>
+                                        <p:cTn id="6" dur="1" fill="hold">
+                                          <p:stCondLst>
+                                            <p:cond delay="0"/>
+                                          </p:stCondLst>
+                                        </p:cTn>
+                                        <p:tgtEl>
+                                          <p:spTgt spid="3"/>
+                                        </p:tgtEl>
+                                        <p:attrNameLst>
+                                          <p:attrName>style.visibility</p:attrName>
+                                        </p:attrNameLst>
+                                      </p:cBhvr>
+                                      <p:to>
+                                        <p:strVal val="visible"/>
+                                      </p:to>
+                                    </p:set>
+                                    <p:animEffect transition="in" filter="wedge">
+                                      <p:cBhvr>
+                                        <p:cTn id="7" dur="500"/>
+                                        <p:tgtEl>
+                                          <p:spTgt spid="3"/>
+                                        </p:tgtEl>
+                                      </p:cBhvr>
+                                    </p:animEffect>
+                                  </p:childTnLst>
+                                </p:cTn>
+                              </p:par>
+                            </p:childTnLst>
+                          </p:cTn>
+                        </p:par>
+                        <p:par>
+                          <p:cTn id="8" fill="hold">
+                            <p:stCondLst>
+                              <p:cond delay="500"/>
+                            </p:stCondLst>
+                            <p:childTnLst>
+                              <p:par>
+                                <p:cTn id="9" presetID="53" presetClass="entr" presetSubtype="16" fill="hold" nodeType="afterEffect">
+                                  <p:stCondLst>
+                                    <p:cond delay="0"/>
+                                  </p:stCondLst>
+                                  <p:childTnLst>
+                                    <p:set>
+                                      <p:cBhvr>
+                                        <p:cTn id="10" dur="1" fill="hold">
+                                          <p:stCondLst>
+                                            <p:cond delay="0"/>
+                                          </p:stCondLst>
+                                        </p:cTn>
+                                        <p:tgtEl>
+                                          <p:spTgt spid="4"/>
+                                        </p:tgtEl>
+                                        <p:attrNameLst>
+                                          <p:attrName>style.visibility</p:attrName>
+                                        </p:attrNameLst>
+                                      </p:cBhvr>
+                                      <p:to>
+                                        <p:strVal val="visible"/>
+                                      </p:to>
+                                    </p:set>
+                                    <p:anim calcmode="lin" valueType="num">
+                                      <p:cBhvr>
+                                        <p:cTn id="11" dur="500" fill="hold"/>
+                                        <p:tgtEl>
+                                          <p:spTgt spid="4"/>
+                                        </p:tgtEl>
+                                        <p:attrNameLst>
+                                          <p:attrName>ppt_w</p:attrName>
+                                        </p:attrNameLst>
+                                      </p:cBhvr>
+                                      <p:tavLst>
+                                        <p:tav tm="0">
+                                          <p:val>
+                                            <p:fltVal val="0"/>
+                                          </p:val>
+                                        </p:tav>
+                                        <p:tav tm="100000">
+                                          <p:val>
+                                            <p:strVal val="#ppt_w"/>
+                                          </p:val>
+                                        </p:tav>
+                                      </p:tavLst>
+                                    </p:anim>
+                                    <p:anim calcmode="lin" valueType="num">
+                                      <p:cBhvr>
+                                        <p:cTn id="12" dur="500" fill="hold"/>
+                                        <p:tgtEl>
+                                          <p:spTgt spid="4"/>
+                                        </p:tgtEl>
+                                        <p:attrNameLst>
+                                          <p:attrName>ppt_h</p:attrName>
+                                        </p:attrNameLst>
+                                      </p:cBhvr>
+                                      <p:tavLst>
+                                        <p:tav tm="0">
+                                          <p:val>
+                                            <p:fltVal val="0"/>
+                                          </p:val>
+                                        </p:tav>
+                                        <p:tav tm="100000">
+                                          <p:val>
+                                            <p:strVal val="#ppt_h"/>
+                                          </p:val>
+                                        </p:tav>
+                                      </p:tavLst>
+                                    </p:anim>
+                                    <p:animEffect transition="in" filter="fade">
+                                      <p:cBhvr>
+                                        <p:cTn id="13" dur="500"/>
+                                        <p:tgtEl>
+                                          <p:spTgt spid="4"/>
+                                        </p:tgtEl>
+                                      </p:cBhvr>
+                                    </p:animEffect>
+                                  </p:childTnLst>
+                                </p:cTn>
+                              </p:par>
+                              <p:par>
+                                <p:cTn id="14" presetID="53" presetClass="entr" presetSubtype="16" fill="hold" nodeType="withEffect">
+                                  <p:stCondLst>
+                                    <p:cond delay="0"/>
+                                  </p:stCondLst>
+                                  <p:childTnLst>
+                                    <p:set>
+                                      <p:cBhvr>
+                                        <p:cTn id="15" dur="1" fill="hold">
+                                          <p:stCondLst>
+                                            <p:cond delay="0"/>
+                                          </p:stCondLst>
+                                        </p:cTn>
+                                        <p:tgtEl>
+                                          <p:spTgt spid="24"/>
+                                        </p:tgtEl>
+                                        <p:attrNameLst>
+                                          <p:attrName>style.visibility</p:attrName>
+                                        </p:attrNameLst>
+                                      </p:cBhvr>
+                                      <p:to>
+                                        <p:strVal val="visible"/>
+                                      </p:to>
+                                    </p:set>
+                                    <p:anim calcmode="lin" valueType="num">
+                                      <p:cBhvr>
+                                        <p:cTn id="16" dur="500" fill="hold"/>
+                                        <p:tgtEl>
+                                          <p:spTgt spid="24"/>
+                                        </p:tgtEl>
+                                        <p:attrNameLst>
+                                          <p:attrName>ppt_w</p:attrName>
+                                        </p:attrNameLst>
+                                      </p:cBhvr>
+                                      <p:tavLst>
+                                        <p:tav tm="0">
+                                          <p:val>
+                                            <p:fltVal val="0"/>
+                                          </p:val>
+                                        </p:tav>
+                                        <p:tav tm="100000">
+                                          <p:val>
+                                            <p:strVal val="#ppt_w"/>
+                                          </p:val>
+                                        </p:tav>
+                                      </p:tavLst>
+                                    </p:anim>
+                                    <p:anim calcmode="lin" valueType="num">
+                                      <p:cBhvr>
+                                        <p:cTn id="17" dur="500" fill="hold"/>
+                                        <p:tgtEl>
+                                          <p:spTgt spid="24"/>
+                                        </p:tgtEl>
+                                        <p:attrNameLst>
+                                          <p:attrName>ppt_h</p:attrName>
+                                        </p:attrNameLst>
+                                      </p:cBhvr>
+                                      <p:tavLst>
+                                        <p:tav tm="0">
+                                          <p:val>
+                                            <p:fltVal val="0"/>
+                                          </p:val>
+                                        </p:tav>
+                                        <p:tav tm="100000">
+                                          <p:val>
+                                            <p:strVal val="#ppt_h"/>
+                                          </p:val>
+                                        </p:tav>
+                                      </p:tavLst>
+                                    </p:anim>
+                                    <p:animEffect transition="in" filter="fade">
+                                      <p:cBhvr>
+                                        <p:cTn id="18" dur="500"/>
+                                        <p:tgtEl>
+                                          <p:spTgt spid="24"/>
+                                        </p:tgtEl>
+                                      </p:cBhvr>
+                                    </p:animEffect>
+                                  </p:childTnLst>
+                                </p:cTn>
+                              </p:par>
+                              <p:par>
+                                <p:cTn id="19" presetID="53" presetClass="entr" presetSubtype="16" fill="hold" nodeType="withEffect">
+                                  <p:stCondLst>
+                                    <p:cond delay="0"/>
+                                  </p:stCondLst>
+                                  <p:childTnLst>
+                                    <p:set>
+                                      <p:cBhvr>
+                                        <p:cTn id="20" dur="1" fill="hold">
+                                          <p:stCondLst>
+                                            <p:cond delay="0"/>
+                                          </p:stCondLst>
+                                        </p:cTn>
+                                        <p:tgtEl>
+                                          <p:spTgt spid="9"/>
+                                        </p:tgtEl>
+                                        <p:attrNameLst>
+                                          <p:attrName>style.visibility</p:attrName>
+                                        </p:attrNameLst>
+                                      </p:cBhvr>
+                                      <p:to>
+                                        <p:strVal val="visible"/>
+                                      </p:to>
+                                    </p:set>
+                                    <p:anim calcmode="lin" valueType="num">
+                                      <p:cBhvr>
+                                        <p:cTn id="21" dur="500" fill="hold"/>
+                                        <p:tgtEl>
+                                          <p:spTgt spid="9"/>
+                                        </p:tgtEl>
+                                        <p:attrNameLst>
+                                          <p:attrName>ppt_w</p:attrName>
+                                        </p:attrNameLst>
+                                      </p:cBhvr>
+                                      <p:tavLst>
+                                        <p:tav tm="0">
+                                          <p:val>
+                                            <p:fltVal val="0"/>
+                                          </p:val>
+                                        </p:tav>
+                                        <p:tav tm="100000">
+                                          <p:val>
+                                            <p:strVal val="#ppt_w"/>
+                                          </p:val>
+                                        </p:tav>
+                                      </p:tavLst>
+                                    </p:anim>
+                                    <p:anim calcmode="lin" valueType="num">
+                                      <p:cBhvr>
+                                        <p:cTn id="22" dur="500" fill="hold"/>
+                                        <p:tgtEl>
+                                          <p:spTgt spid="9"/>
+                                        </p:tgtEl>
+                                        <p:attrNameLst>
+                                          <p:attrName>ppt_h</p:attrName>
+                                        </p:attrNameLst>
+                                      </p:cBhvr>
+                                      <p:tavLst>
+                                        <p:tav tm="0">
+                                          <p:val>
+                                            <p:fltVal val="0"/>
+                                          </p:val>
+                                        </p:tav>
+                                        <p:tav tm="100000">
+                                          <p:val>
+                                            <p:strVal val="#ppt_h"/>
+                                          </p:val>
+                                        </p:tav>
+                                      </p:tavLst>
+                                    </p:anim>
+                                    <p:animEffect transition="in" filter="fade">
+                                      <p:cBhvr>
+                                        <p:cTn id="23" dur="500"/>
+                                        <p:tgtEl>
+                                          <p:spTgt spid="9"/>
+                                        </p:tgtEl>
+                                      </p:cBhvr>
+                                    </p:animEffect>
+                                  </p:childTnLst>
+                                </p:cTn>
+                              </p:par>
+                              <p:par>
+                                <p:cTn id="24" presetID="53" presetClass="entr" presetSubtype="16" fill="hold" nodeType="withEffect">
+                                  <p:stCondLst>
+                                    <p:cond delay="0"/>
+                                  </p:stCondLst>
+                                  <p:childTnLst>
+                                    <p:set>
+                                      <p:cBhvr>
+                                        <p:cTn id="25" dur="1" fill="hold">
+                                          <p:stCondLst>
+                                            <p:cond delay="0"/>
+                                          </p:stCondLst>
+                                        </p:cTn>
+                                        <p:tgtEl>
+                                          <p:spTgt spid="20"/>
+                                        </p:tgtEl>
+                                        <p:attrNameLst>
+                                          <p:attrName>style.visibility</p:attrName>
+                                        </p:attrNameLst>
+                                      </p:cBhvr>
+                                      <p:to>
+                                        <p:strVal val="visible"/>
+                                      </p:to>
+                                    </p:set>
+                                    <p:anim calcmode="lin" valueType="num">
+                                      <p:cBhvr>
+                                        <p:cTn id="26" dur="500" fill="hold"/>
+                                        <p:tgtEl>
+                                          <p:spTgt spid="20"/>
+                                        </p:tgtEl>
+                                        <p:attrNameLst>
+                                          <p:attrName>ppt_w</p:attrName>
+                                        </p:attrNameLst>
+                                      </p:cBhvr>
+                                      <p:tavLst>
+                                        <p:tav tm="0">
+                                          <p:val>
+                                            <p:fltVal val="0"/>
+                                          </p:val>
+                                        </p:tav>
+                                        <p:tav tm="100000">
+                                          <p:val>
+                                            <p:strVal val="#ppt_w"/>
+                                          </p:val>
+                                        </p:tav>
+                                      </p:tavLst>
+                                    </p:anim>
+                                    <p:anim calcmode="lin" valueType="num">
+                                      <p:cBhvr>
+                                        <p:cTn id="27" dur="500" fill="hold"/>
+                                        <p:tgtEl>
+                                          <p:spTgt spid="20"/>
+                                        </p:tgtEl>
+                                        <p:attrNameLst>
+                                          <p:attrName>ppt_h</p:attrName>
+                                        </p:attrNameLst>
+                                      </p:cBhvr>
+                                      <p:tavLst>
+                                        <p:tav tm="0">
+                                          <p:val>
+                                            <p:fltVal val="0"/>
+                                          </p:val>
+                                        </p:tav>
+                                        <p:tav tm="100000">
+                                          <p:val>
+                                            <p:strVal val="#ppt_h"/>
+                                          </p:val>
+                                        </p:tav>
+                                      </p:tavLst>
+                                    </p:anim>
+                                    <p:animEffect transition="in" filter="fade">
+                                      <p:cBhvr>
+                                        <p:cTn id="28" dur="500"/>
+                                        <p:tgtEl>
+                                          <p:spTgt spid="20"/>
+                                        </p:tgtEl>
+                                      </p:cBhvr>
+                                    </p:animEffect>
+                                  </p:childTnLst>
+                                </p:cTn>
+                              </p:par>
+                            </p:childTnLst>
+                          </p:cTn>
+                        </p:par>
+                        <p:par>
+                          <p:cTn id="29" fill="hold">
+                            <p:stCondLst>
+                              <p:cond delay="1000"/>
+                            </p:stCondLst>
+                            <p:childTnLst>
+                              <p:par>
+                                <p:cTn id="30" presetID="22" presetClass="entr" presetSubtype="1" fill="hold" nodeType="afterEffect">
+                                  <p:stCondLst>
+                                    <p:cond delay="0"/>
+                                  </p:stCondLst>
+                                  <p:childTnLst>
+                                    <p:set>
+                                      <p:cBhvr>
+                                        <p:cTn id="31" dur="1" fill="hold">
+                                          <p:stCondLst>
+                                            <p:cond delay="0"/>
+                                          </p:stCondLst>
+                                        </p:cTn>
+                                        <p:tgtEl>
+                                          <p:spTgt spid="35"/>
+                                        </p:tgtEl>
+                                        <p:attrNameLst>
+                                          <p:attrName>style.visibility</p:attrName>
+                                        </p:attrNameLst>
+                                      </p:cBhvr>
+                                      <p:to>
+                                        <p:strVal val="visible"/>
+                                      </p:to>
+                                    </p:set>
+                                    <p:animEffect transition="in" filter="wipe(up)">
+                                      <p:cBhvr>
+                                        <p:cTn id="32" dur="500"/>
+                                        <p:tgtEl>
+                                          <p:spTgt spid="35"/>
+                                        </p:tgtEl>
+                                      </p:cBhvr>
+                                    </p:animEffect>
+                                  </p:childTnLst>
+                                </p:cTn>
+                              </p:par>
+                              <p:par>
+                                <p:cTn id="33" presetID="22" presetClass="entr" presetSubtype="8" fill="hold" grpId="0" nodeType="withEffect">
+                                  <p:stCondLst>
+                                    <p:cond delay="0"/>
+                                  </p:stCondLst>
+                                  <p:childTnLst>
+                                    <p:set>
+                                      <p:cBhvr>
+                                        <p:cTn id="34" dur="1" fill="hold">
+                                          <p:stCondLst>
+                                            <p:cond delay="0"/>
+                                          </p:stCondLst>
+                                        </p:cTn>
+                                        <p:tgtEl>
+                                          <p:spTgt spid="32"/>
+                                        </p:tgtEl>
+                                        <p:attrNameLst>
+                                          <p:attrName>style.visibility</p:attrName>
+                                        </p:attrNameLst>
+                                      </p:cBhvr>
+                                      <p:to>
+                                        <p:strVal val="visible"/>
+                                      </p:to>
+                                    </p:set>
+                                    <p:animEffect transition="in" filter="wipe(left)">
+                                      <p:cBhvr>
+                                        <p:cTn id="35" dur="500"/>
+                                        <p:tgtEl>
+                                          <p:spTgt spid="32"/>
+                                        </p:tgtEl>
+                                      </p:cBhvr>
+                                    </p:animEffect>
+                                  </p:childTnLst>
+                                </p:cTn>
+                              </p:par>
+                              <p:par>
+                                <p:cTn id="36" presetID="22" presetClass="entr" presetSubtype="8" fill="hold" grpId="0" nodeType="withEffect">
+                                  <p:stCondLst>
+                                    <p:cond delay="0"/>
+                                  </p:stCondLst>
+                                  <p:childTnLst>
+                                    <p:set>
+                                      <p:cBhvr>
+                                        <p:cTn id="37" dur="1" fill="hold">
+                                          <p:stCondLst>
+                                            <p:cond delay="0"/>
+                                          </p:stCondLst>
+                                        </p:cTn>
+                                        <p:tgtEl>
+                                          <p:spTgt spid="12"/>
+                                        </p:tgtEl>
+                                        <p:attrNameLst>
+                                          <p:attrName>style.visibility</p:attrName>
+                                        </p:attrNameLst>
+                                      </p:cBhvr>
+                                      <p:to>
+                                        <p:strVal val="visible"/>
+                                      </p:to>
+                                    </p:set>
+                                    <p:animEffect transition="in" filter="wipe(left)">
+                                      <p:cBhvr>
+                                        <p:cTn id="38" dur="500"/>
+                                        <p:tgtEl>
+                                          <p:spTgt spid="12"/>
+                                        </p:tgtEl>
+                                      </p:cBhvr>
+                                    </p:animEffect>
+                                  </p:childTnLst>
+                                </p:cTn>
+                              </p:par>
+                              <p:par>
+                                <p:cTn id="39" presetID="22" presetClass="entr" presetSubtype="8" fill="hold" grpId="0" nodeType="withEffect">
+                                  <p:stCondLst>
+                                    <p:cond delay="0"/>
+                                  </p:stCondLst>
+                                  <p:childTnLst>
+                                    <p:set>
+                                      <p:cBhvr>
+                                        <p:cTn id="40" dur="1" fill="hold">
+                                          <p:stCondLst>
+                                            <p:cond delay="0"/>
+                                          </p:stCondLst>
+                                        </p:cTn>
+                                        <p:tgtEl>
+                                          <p:spTgt spid="23"/>
+                                        </p:tgtEl>
+                                        <p:attrNameLst>
+                                          <p:attrName>style.visibility</p:attrName>
+                                        </p:attrNameLst>
+                                      </p:cBhvr>
+                                      <p:to>
+                                        <p:strVal val="visible"/>
+                                      </p:to>
+                                    </p:set>
+                                    <p:animEffect transition="in" filter="wipe(left)">
+                                      <p:cBhvr>
+                                        <p:cTn id="41" dur="500"/>
+                                        <p:tgtEl>
+                                          <p:spTgt spid="23"/>
+                                        </p:tgtEl>
+                                      </p:cBhvr>
+                                    </p:animEffect>
+                                  </p:childTnLst>
+                                </p:cTn>
+                              </p:par>
+                            </p:childTnLst>
+                          </p:cTn>
+                        </p:par>
+                      </p:childTnLst>
+                    </p:cTn>
+                  </p:par>
+                </p:childTnLst>
+              </p:cTn>
+              <p:prevCondLst>
+                <p:cond evt="onPrev" delay="0">
+                  <p:tgtEl>
+                    <p:sldTgt/>
+                  </p:tgtEl>
+                </p:cond>
+              </p:prevCondLst>
+              <p:nextCondLst>
+                <p:cond evt="onNext" delay="0">
+                  <p:tgtEl>
+                    <p:sldTgt/>
+                  </p:tgtEl>
+                </p:cond>
+              </p:nextCondLst>
+            </p:seq>
+          </p:childTnLst>
+        </p:cTn>
+      </p:par>
+    </p:tnLst>
+    <p:bldLst>
+      <p:bldP spid="3" grpId="0" animBg="1"/>
+      <p:bldP spid="3" grpId="1" bldLvl="0" animBg="1"/>
+      <p:bldP spid="32" grpId="0"/>
+      <p:bldP spid="12" grpId="0"/>
+      <p:bldP spid="23" grpId="0"/>
+    </p:bldLst>
+  </p:timing>
+</p:sld>
+</file>
+
+<file path=ppt/slides/slide12.xml><?xml version="1.0" encoding="utf-8"?>
+<p:sld xmlns:a="http://schemas.openxmlformats.org/drawingml/2006/main" xmlns:r="http://schemas.openxmlformats.org/officeDocument/2006/relationships" xmlns:p="http://schemas.openxmlformats.org/presentationml/2006/main">
+  <p:cSld>
+    <p:spTree>
+      <p:nvGrpSpPr>
+        <p:cNvPr id="1" name=""/>
+        <p:cNvGrpSpPr/>
+        <p:nvPr/>
+      </p:nvGrpSpPr>
+      <p:grpSpPr>
+        <a:xfrm>
+          <a:off x="0" y="0"/>
+          <a:ext cx="0" cy="0"/>
+          <a:chOff x="0" y="0"/>
+          <a:chExt cx="0" cy="0"/>
+        </a:xfrm>
+      </p:grpSpPr>
       <p:pic>
         <p:nvPicPr>
           <p:cNvPr id="4" name="图片 3" descr="花8"/>
@@ -7637,8 +9650,8 @@
         </p:nvSpPr>
         <p:spPr>
           <a:xfrm>
-            <a:off x="6269355" y="1401445"/>
-            <a:ext cx="3961130" cy="400110"/>
+            <a:off x="6269355" y="1445955"/>
+            <a:ext cx="3961130" cy="584775"/>
           </a:xfrm>
           <a:prstGeom prst="rect">
             <a:avLst/>
@@ -7657,7 +9670,7 @@
               </a:lnSpc>
             </a:pPr>
             <a:r>
-              <a:rPr lang="zh-CN" altLang="en-US" sz="2000" b="1" dirty="0">
+              <a:rPr lang="zh-CN" altLang="en-US" sz="3200" b="1" dirty="0">
                 <a:solidFill>
                   <a:srgbClr val="6B9D43"/>
                 </a:solidFill>
@@ -7667,7 +9680,7 @@
               </a:rPr>
               <a:t>技术可行性</a:t>
             </a:r>
-            <a:endParaRPr lang="en-US" altLang="zh-CN" sz="1400" dirty="0">
+            <a:endParaRPr lang="en-US" altLang="zh-CN" sz="3200" dirty="0">
               <a:solidFill>
                 <a:srgbClr val="6B9D43"/>
               </a:solidFill>
@@ -7722,8 +9735,8 @@
         </p:nvSpPr>
         <p:spPr>
           <a:xfrm>
-            <a:off x="6269355" y="2526665"/>
-            <a:ext cx="3961130" cy="400110"/>
+            <a:off x="6269355" y="2550975"/>
+            <a:ext cx="3961130" cy="584775"/>
           </a:xfrm>
           <a:prstGeom prst="rect">
             <a:avLst/>
@@ -7742,7 +9755,7 @@
               </a:lnSpc>
             </a:pPr>
             <a:r>
-              <a:rPr lang="zh-CN" altLang="en-US" sz="2000" b="1" dirty="0">
+              <a:rPr lang="zh-CN" altLang="en-US" sz="3200" b="1" dirty="0">
                 <a:solidFill>
                   <a:srgbClr val="205337"/>
                 </a:solidFill>
@@ -7752,7 +9765,7 @@
               </a:rPr>
               <a:t>经济可行性</a:t>
             </a:r>
-            <a:endParaRPr lang="zh-CN" altLang="en-US" sz="1400" dirty="0">
+            <a:endParaRPr lang="zh-CN" altLang="en-US" sz="3200" dirty="0">
               <a:solidFill>
                 <a:srgbClr val="205337"/>
               </a:solidFill>
@@ -7807,8 +9820,8 @@
         </p:nvSpPr>
         <p:spPr>
           <a:xfrm>
-            <a:off x="6269355" y="3650615"/>
-            <a:ext cx="3832225" cy="400110"/>
+            <a:off x="6269354" y="3700660"/>
+            <a:ext cx="3832225" cy="584775"/>
           </a:xfrm>
           <a:prstGeom prst="rect">
             <a:avLst/>
@@ -7827,7 +9840,7 @@
               </a:lnSpc>
             </a:pPr>
             <a:r>
-              <a:rPr lang="zh-CN" altLang="en-US" sz="2000" b="1" dirty="0">
+              <a:rPr lang="zh-CN" altLang="en-US" sz="3200" b="1" dirty="0">
                 <a:solidFill>
                   <a:srgbClr val="6B9D43"/>
                 </a:solidFill>
@@ -7838,7 +9851,7 @@
               <a:t>法律可行性</a:t>
             </a:r>
             <a:r>
-              <a:rPr lang="en-US" altLang="zh-CN" sz="1400" dirty="0">
+              <a:rPr lang="en-US" altLang="zh-CN" sz="3200" dirty="0">
                 <a:solidFill>
                   <a:srgbClr val="6B9D43"/>
                 </a:solidFill>
@@ -7848,7 +9861,7 @@
               </a:rPr>
               <a:t>.</a:t>
             </a:r>
-            <a:endParaRPr lang="zh-CN" altLang="en-US" sz="1400" dirty="0">
+            <a:endParaRPr lang="zh-CN" altLang="en-US" sz="3200" dirty="0">
               <a:solidFill>
                 <a:srgbClr val="6B9D43"/>
               </a:solidFill>
@@ -7903,8 +9916,8 @@
         </p:nvSpPr>
         <p:spPr>
           <a:xfrm>
-            <a:off x="6269355" y="4768215"/>
-            <a:ext cx="3832225" cy="400110"/>
+            <a:off x="6269353" y="4782532"/>
+            <a:ext cx="3832225" cy="584775"/>
           </a:xfrm>
           <a:prstGeom prst="rect">
             <a:avLst/>
@@ -7923,7 +9936,7 @@
               </a:lnSpc>
             </a:pPr>
             <a:r>
-              <a:rPr lang="zh-CN" altLang="en-US" sz="2000" b="1" dirty="0">
+              <a:rPr lang="zh-CN" altLang="en-US" sz="3200" b="1" dirty="0">
                 <a:solidFill>
                   <a:srgbClr val="205337"/>
                 </a:solidFill>
@@ -15841,58 +17854,135 @@
               <a:t>       </a:t>
             </a:r>
             <a:r>
-              <a:rPr lang="zh-CN" altLang="zh-CN" sz="2400" b="1" dirty="0"/>
+              <a:rPr lang="zh-CN" altLang="zh-CN" sz="2400" dirty="0">
+                <a:solidFill>
+                  <a:srgbClr val="205337"/>
+                </a:solidFill>
+                <a:latin typeface="微软雅黑" panose="020B0503020204020204" pitchFamily="34" charset="-122"/>
+                <a:ea typeface="微软雅黑" panose="020B0503020204020204" pitchFamily="34" charset="-122"/>
+              </a:rPr>
               <a:t>通过</a:t>
             </a:r>
             <a:r>
-              <a:rPr lang="en-US" altLang="zh-CN" sz="2400" b="1" dirty="0"/>
+              <a:rPr lang="en-US" altLang="zh-CN" sz="2400" dirty="0">
+                <a:solidFill>
+                  <a:srgbClr val="205337"/>
+                </a:solidFill>
+                <a:latin typeface="微软雅黑" panose="020B0503020204020204" pitchFamily="34" charset="-122"/>
+                <a:ea typeface="微软雅黑" panose="020B0503020204020204" pitchFamily="34" charset="-122"/>
+              </a:rPr>
               <a:t>C#</a:t>
             </a:r>
             <a:r>
-              <a:rPr lang="zh-CN" altLang="zh-CN" sz="2400" b="1" dirty="0"/>
+              <a:rPr lang="zh-CN" altLang="zh-CN" sz="2400" dirty="0">
+                <a:solidFill>
+                  <a:srgbClr val="205337"/>
+                </a:solidFill>
+                <a:latin typeface="微软雅黑" panose="020B0503020204020204" pitchFamily="34" charset="-122"/>
+                <a:ea typeface="微软雅黑" panose="020B0503020204020204" pitchFamily="34" charset="-122"/>
+              </a:rPr>
               <a:t>和</a:t>
             </a:r>
             <a:r>
-              <a:rPr lang="en-US" altLang="zh-CN" sz="2400" b="1" dirty="0"/>
+              <a:rPr lang="en-US" altLang="zh-CN" sz="2400" dirty="0">
+                <a:solidFill>
+                  <a:srgbClr val="205337"/>
+                </a:solidFill>
+                <a:latin typeface="微软雅黑" panose="020B0503020204020204" pitchFamily="34" charset="-122"/>
+                <a:ea typeface="微软雅黑" panose="020B0503020204020204" pitchFamily="34" charset="-122"/>
+              </a:rPr>
               <a:t>java</a:t>
             </a:r>
             <a:r>
-              <a:rPr lang="zh-CN" altLang="zh-CN" sz="2400" b="1" dirty="0"/>
+              <a:rPr lang="zh-CN" altLang="zh-CN" sz="2400" dirty="0">
+                <a:solidFill>
+                  <a:srgbClr val="205337"/>
+                </a:solidFill>
+                <a:latin typeface="微软雅黑" panose="020B0503020204020204" pitchFamily="34" charset="-122"/>
+                <a:ea typeface="微软雅黑" panose="020B0503020204020204" pitchFamily="34" charset="-122"/>
+              </a:rPr>
               <a:t>语言再</a:t>
             </a:r>
             <a:r>
-              <a:rPr lang="en-US" altLang="zh-CN" sz="2400" b="1" dirty="0"/>
+              <a:rPr lang="en-US" altLang="zh-CN" sz="2400" dirty="0">
+                <a:solidFill>
+                  <a:srgbClr val="205337"/>
+                </a:solidFill>
+                <a:latin typeface="微软雅黑" panose="020B0503020204020204" pitchFamily="34" charset="-122"/>
+                <a:ea typeface="微软雅黑" panose="020B0503020204020204" pitchFamily="34" charset="-122"/>
+              </a:rPr>
               <a:t>Unity</a:t>
             </a:r>
             <a:r>
-              <a:rPr lang="zh-CN" altLang="zh-CN" sz="2400" b="1" dirty="0"/>
+              <a:rPr lang="zh-CN" altLang="zh-CN" sz="2400" dirty="0">
+                <a:solidFill>
+                  <a:srgbClr val="205337"/>
+                </a:solidFill>
+                <a:latin typeface="微软雅黑" panose="020B0503020204020204" pitchFamily="34" charset="-122"/>
+                <a:ea typeface="微软雅黑" panose="020B0503020204020204" pitchFamily="34" charset="-122"/>
+              </a:rPr>
               <a:t>上编写程序，成功后再上传至微信开发者程序。该过程中，我们小组成员都还未接触过</a:t>
             </a:r>
             <a:r>
-              <a:rPr lang="en-US" altLang="zh-CN" sz="2400" b="1" dirty="0"/>
+              <a:rPr lang="en-US" altLang="zh-CN" sz="2400" dirty="0">
+                <a:solidFill>
+                  <a:srgbClr val="205337"/>
+                </a:solidFill>
+                <a:latin typeface="微软雅黑" panose="020B0503020204020204" pitchFamily="34" charset="-122"/>
+                <a:ea typeface="微软雅黑" panose="020B0503020204020204" pitchFamily="34" charset="-122"/>
+              </a:rPr>
               <a:t>unity</a:t>
             </a:r>
             <a:r>
-              <a:rPr lang="zh-CN" altLang="zh-CN" sz="2400" b="1" dirty="0"/>
+              <a:rPr lang="zh-CN" altLang="zh-CN" sz="2400" dirty="0">
+                <a:solidFill>
+                  <a:srgbClr val="205337"/>
+                </a:solidFill>
+                <a:latin typeface="微软雅黑" panose="020B0503020204020204" pitchFamily="34" charset="-122"/>
+                <a:ea typeface="微软雅黑" panose="020B0503020204020204" pitchFamily="34" charset="-122"/>
+              </a:rPr>
               <a:t>，对</a:t>
             </a:r>
             <a:r>
-              <a:rPr lang="en-US" altLang="zh-CN" sz="2400" b="1" dirty="0" err="1"/>
+              <a:rPr lang="en-US" altLang="zh-CN" sz="2400" dirty="0" err="1">
+                <a:solidFill>
+                  <a:srgbClr val="205337"/>
+                </a:solidFill>
+                <a:latin typeface="微软雅黑" panose="020B0503020204020204" pitchFamily="34" charset="-122"/>
+                <a:ea typeface="微软雅黑" panose="020B0503020204020204" pitchFamily="34" charset="-122"/>
+              </a:rPr>
               <a:t>c#</a:t>
             </a:r>
             <a:r>
-              <a:rPr lang="zh-CN" altLang="zh-CN" sz="2400" b="1" dirty="0"/>
+              <a:rPr lang="zh-CN" altLang="zh-CN" sz="2400" dirty="0">
+                <a:solidFill>
+                  <a:srgbClr val="205337"/>
+                </a:solidFill>
+                <a:latin typeface="微软雅黑" panose="020B0503020204020204" pitchFamily="34" charset="-122"/>
+                <a:ea typeface="微软雅黑" panose="020B0503020204020204" pitchFamily="34" charset="-122"/>
+              </a:rPr>
               <a:t>和</a:t>
             </a:r>
             <a:r>
-              <a:rPr lang="en-US" altLang="zh-CN" sz="2400" b="1" dirty="0"/>
+              <a:rPr lang="en-US" altLang="zh-CN" sz="2400" dirty="0">
+                <a:solidFill>
+                  <a:srgbClr val="205337"/>
+                </a:solidFill>
+                <a:latin typeface="微软雅黑" panose="020B0503020204020204" pitchFamily="34" charset="-122"/>
+                <a:ea typeface="微软雅黑" panose="020B0503020204020204" pitchFamily="34" charset="-122"/>
+              </a:rPr>
               <a:t>java</a:t>
             </a:r>
             <a:r>
-              <a:rPr lang="zh-CN" altLang="zh-CN" sz="2400" b="1" dirty="0"/>
+              <a:rPr lang="zh-CN" altLang="zh-CN" sz="2400" dirty="0">
+                <a:solidFill>
+                  <a:srgbClr val="205337"/>
+                </a:solidFill>
+                <a:latin typeface="微软雅黑" panose="020B0503020204020204" pitchFamily="34" charset="-122"/>
+                <a:ea typeface="微软雅黑" panose="020B0503020204020204" pitchFamily="34" charset="-122"/>
+              </a:rPr>
               <a:t>语言的运用也并不熟练，需要在过程中一边学习一边完成该项目的开发，可能会由于技术上的问题导致项目的一些功能无法实现。</a:t>
             </a:r>
-            <a:endParaRPr lang="zh-CN" altLang="zh-CN" sz="2400" dirty="0"/>
           </a:p>
         </p:txBody>
       </p:sp>
@@ -17160,7 +19250,7 @@
       <p:bldP spid="14" grpId="0" animBg="1"/>
       <p:bldP spid="18" grpId="0" animBg="1"/>
       <p:bldP spid="27" grpId="0" animBg="1"/>
-      <p:bldP spid="65" grpId="0" animBg="1"/>
+      <p:bldP spid="65" grpId="0"/>
     </p:bldLst>
   </p:timing>
 </p:sld>
